--- a/008-CMS-ITP219.pptx
+++ b/008-CMS-ITP219.pptx
@@ -5,7 +5,7 @@
     <p:sldMasterId id="2147483702" r:id="rId1"/>
   </p:sldMasterIdLst>
   <p:notesMasterIdLst>
-    <p:notesMasterId r:id="rId14"/>
+    <p:notesMasterId r:id="rId15"/>
   </p:notesMasterIdLst>
   <p:sldIdLst>
     <p:sldId id="256" r:id="rId2"/>
@@ -20,6 +20,7 @@
     <p:sldId id="265" r:id="rId11"/>
     <p:sldId id="266" r:id="rId12"/>
     <p:sldId id="267" r:id="rId13"/>
+    <p:sldId id="268" r:id="rId14"/>
   </p:sldIdLst>
   <p:sldSz cx="12192000" cy="6858000"/>
   <p:notesSz cx="6858000" cy="9144000"/>
@@ -219,7 +220,7 @@
           <a:p>
             <a:fld id="{2B44CCA1-0206-4C1D-8FBE-86A23A74177B}" type="datetimeFigureOut">
               <a:rPr lang="en-US" smtClean="0"/>
-              <a:t>11/12/2024</a:t>
+              <a:t>11/13/2024</a:t>
             </a:fld>
             <a:endParaRPr lang="en-US"/>
           </a:p>
@@ -722,7 +723,7 @@
           <a:p>
             <a:fld id="{3063643D-8225-4F8C-BFF8-7176355E8E39}" type="datetime1">
               <a:rPr lang="en-US" smtClean="0"/>
-              <a:t>11/12/2024</a:t>
+              <a:t>11/13/2024</a:t>
             </a:fld>
             <a:endParaRPr lang="en-US"/>
           </a:p>
@@ -975,7 +976,7 @@
           <a:p>
             <a:fld id="{31C87322-9529-4649-8C81-2A65251FCFA6}" type="datetime1">
               <a:rPr lang="en-US" smtClean="0"/>
-              <a:t>11/12/2024</a:t>
+              <a:t>11/13/2024</a:t>
             </a:fld>
             <a:endParaRPr lang="en-US"/>
           </a:p>
@@ -1155,7 +1156,7 @@
           <a:p>
             <a:fld id="{6BB2D477-07A8-477B-8D07-61CCC236A38A}" type="datetime1">
               <a:rPr lang="en-US" smtClean="0"/>
-              <a:t>11/12/2024</a:t>
+              <a:t>11/13/2024</a:t>
             </a:fld>
             <a:endParaRPr lang="en-US"/>
           </a:p>
@@ -1360,7 +1361,7 @@
           <a:p>
             <a:fld id="{11A810AF-B02B-40F7-B5DD-ABA697D23FD4}" type="datetime1">
               <a:rPr lang="en-US" smtClean="0"/>
-              <a:t>11/12/2024</a:t>
+              <a:t>11/13/2024</a:t>
             </a:fld>
             <a:endParaRPr lang="en-US"/>
           </a:p>
@@ -1617,7 +1618,7 @@
           <a:p>
             <a:fld id="{EAE84F92-1261-40D3-BECE-5835445D8F52}" type="datetime1">
               <a:rPr lang="en-US" smtClean="0"/>
-              <a:t>11/12/2024</a:t>
+              <a:t>11/13/2024</a:t>
             </a:fld>
             <a:endParaRPr lang="en-US"/>
           </a:p>
@@ -1937,7 +1938,7 @@
           <a:p>
             <a:fld id="{2A4FEE61-7D9C-43E3-A238-39CD016EC32B}" type="datetime1">
               <a:rPr lang="en-US" smtClean="0"/>
-              <a:t>11/12/2024</a:t>
+              <a:t>11/13/2024</a:t>
             </a:fld>
             <a:endParaRPr lang="en-US"/>
           </a:p>
@@ -2335,7 +2336,7 @@
           <a:p>
             <a:fld id="{AA276E5C-37F1-464C-9A14-6B7507BA541B}" type="datetime1">
               <a:rPr lang="en-US" smtClean="0"/>
-              <a:t>11/12/2024</a:t>
+              <a:t>11/13/2024</a:t>
             </a:fld>
             <a:endParaRPr lang="en-US"/>
           </a:p>
@@ -2453,7 +2454,7 @@
           <a:p>
             <a:fld id="{34E766F6-3E6C-4C81-90FD-E9629BB9934D}" type="datetime1">
               <a:rPr lang="en-US" smtClean="0"/>
-              <a:t>11/12/2024</a:t>
+              <a:t>11/13/2024</a:t>
             </a:fld>
             <a:endParaRPr lang="en-US"/>
           </a:p>
@@ -2548,7 +2549,7 @@
           <a:p>
             <a:fld id="{C1CC8E9D-D5A2-40EF-BC93-DFAED5D9D2E6}" type="datetime1">
               <a:rPr lang="en-US" smtClean="0"/>
-              <a:t>11/12/2024</a:t>
+              <a:t>11/13/2024</a:t>
             </a:fld>
             <a:endParaRPr lang="en-US"/>
           </a:p>
@@ -2838,7 +2839,7 @@
           <a:p>
             <a:fld id="{70ADD9D5-CBD3-4DEB-8BEC-2AE65EA3D268}" type="datetime1">
               <a:rPr lang="en-US" smtClean="0"/>
-              <a:t>11/12/2024</a:t>
+              <a:t>11/13/2024</a:t>
             </a:fld>
             <a:endParaRPr lang="en-US"/>
           </a:p>
@@ -3118,7 +3119,7 @@
           <a:p>
             <a:fld id="{1DBC6E84-C897-4226-918D-928DB6D1B8A4}" type="datetime1">
               <a:rPr lang="en-US" smtClean="0"/>
-              <a:t>11/12/2024</a:t>
+              <a:t>11/13/2024</a:t>
             </a:fld>
             <a:endParaRPr lang="en-US"/>
           </a:p>
@@ -3368,7 +3369,7 @@
           <a:p>
             <a:fld id="{9DA5BEEE-4335-4DF4-AD26-2272FBA491A1}" type="datetime1">
               <a:rPr lang="en-US" smtClean="0"/>
-              <a:t>11/12/2024</a:t>
+              <a:t>11/13/2024</a:t>
             </a:fld>
             <a:endParaRPr lang="en-US"/>
           </a:p>
@@ -4337,6 +4338,119 @@
     <p:extLst>
       <p:ext uri="{BB962C8B-B14F-4D97-AF65-F5344CB8AC3E}">
         <p14:creationId xmlns:p14="http://schemas.microsoft.com/office/powerpoint/2010/main" val="2631171473"/>
+      </p:ext>
+    </p:extLst>
+  </p:cSld>
+  <p:clrMapOvr>
+    <a:masterClrMapping/>
+  </p:clrMapOvr>
+</p:sld>
+</file>
+
+<file path=ppt/slides/slide13.xml><?xml version="1.0" encoding="utf-8"?>
+<p:sld xmlns:a="http://schemas.openxmlformats.org/drawingml/2006/main" xmlns:r="http://schemas.openxmlformats.org/officeDocument/2006/relationships" xmlns:p="http://schemas.openxmlformats.org/presentationml/2006/main">
+  <p:cSld>
+    <p:spTree>
+      <p:nvGrpSpPr>
+        <p:cNvPr id="1" name=""/>
+        <p:cNvGrpSpPr/>
+        <p:nvPr/>
+      </p:nvGrpSpPr>
+      <p:grpSpPr>
+        <a:xfrm>
+          <a:off x="0" y="0"/>
+          <a:ext cx="0" cy="0"/>
+          <a:chOff x="0" y="0"/>
+          <a:chExt cx="0" cy="0"/>
+        </a:xfrm>
+      </p:grpSpPr>
+      <p:sp>
+        <p:nvSpPr>
+          <p:cNvPr id="2" name="Title 1">
+            <a:extLst>
+              <a:ext uri="{FF2B5EF4-FFF2-40B4-BE49-F238E27FC236}">
+                <a16:creationId xmlns:a16="http://schemas.microsoft.com/office/drawing/2014/main" id="{34EE946A-8BC7-4D81-B617-6A24DF747557}"/>
+              </a:ext>
+            </a:extLst>
+          </p:cNvPr>
+          <p:cNvSpPr>
+            <a:spLocks noGrp="1"/>
+          </p:cNvSpPr>
+          <p:nvPr>
+            <p:ph type="title"/>
+          </p:nvPr>
+        </p:nvSpPr>
+        <p:spPr/>
+        <p:txBody>
+          <a:bodyPr/>
+          <a:lstStyle/>
+          <a:p>
+            <a:r>
+              <a:rPr lang="en-US" dirty="0"/>
+              <a:t>Download complete presentation here</a:t>
+            </a:r>
+          </a:p>
+        </p:txBody>
+      </p:sp>
+      <p:sp>
+        <p:nvSpPr>
+          <p:cNvPr id="3" name="Content Placeholder 2">
+            <a:extLst>
+              <a:ext uri="{FF2B5EF4-FFF2-40B4-BE49-F238E27FC236}">
+                <a16:creationId xmlns:a16="http://schemas.microsoft.com/office/drawing/2014/main" id="{6DAFFBD0-3EEA-4334-A9F1-51587AB3198F}"/>
+              </a:ext>
+            </a:extLst>
+          </p:cNvPr>
+          <p:cNvSpPr>
+            <a:spLocks noGrp="1"/>
+          </p:cNvSpPr>
+          <p:nvPr>
+            <p:ph idx="1"/>
+          </p:nvPr>
+        </p:nvSpPr>
+        <p:spPr/>
+        <p:txBody>
+          <a:bodyPr>
+            <a:normAutofit/>
+          </a:bodyPr>
+          <a:lstStyle/>
+          <a:p>
+            <a:r>
+              <a:rPr lang="en-US" sz="4000" dirty="0"/>
+              <a:t>https://github.com/sunnyhlopez/cms_class</a:t>
+            </a:r>
+          </a:p>
+        </p:txBody>
+      </p:sp>
+      <p:sp>
+        <p:nvSpPr>
+          <p:cNvPr id="4" name="Footer Placeholder 3">
+            <a:extLst>
+              <a:ext uri="{FF2B5EF4-FFF2-40B4-BE49-F238E27FC236}">
+                <a16:creationId xmlns:a16="http://schemas.microsoft.com/office/drawing/2014/main" id="{AFD78F8B-AD1D-4F1E-91CC-22486FF8B145}"/>
+              </a:ext>
+            </a:extLst>
+          </p:cNvPr>
+          <p:cNvSpPr>
+            <a:spLocks noGrp="1"/>
+          </p:cNvSpPr>
+          <p:nvPr>
+            <p:ph type="ftr" sz="quarter" idx="11"/>
+          </p:nvPr>
+        </p:nvSpPr>
+        <p:spPr/>
+        <p:txBody>
+          <a:bodyPr/>
+          <a:lstStyle/>
+          <a:p>
+            <a:endParaRPr lang="en-US"/>
+          </a:p>
+        </p:txBody>
+      </p:sp>
+    </p:spTree>
+    <p:extLst>
+      <p:ext uri="{BB962C8B-B14F-4D97-AF65-F5344CB8AC3E}">
+        <p14:creationId xmlns:p14="http://schemas.microsoft.com/office/powerpoint/2010/main" val="1684263607"/>
       </p:ext>
     </p:extLst>
   </p:cSld>
